--- a/ppt 16-9/0888.心连心.pptx
+++ b/ppt 16-9/0888.心连心.pptx
@@ -129,7 +129,7 @@
           <p:cNvPr id="2" name="标题 1">
             <a:extLst>
               <a:ext uri="{FF2B5EF4-FFF2-40B4-BE49-F238E27FC236}">
-                <a16:creationId xmlns:a16="http://schemas.microsoft.com/office/drawing/2014/main" id="{5D3FA1C3-2CB8-ABD9-C4D8-40A3A893E0CC}"/>
+                <a16:creationId xmlns:a16="http://schemas.microsoft.com/office/drawing/2014/main" id="{219D6550-2A5F-FF2A-594F-D27DCDBC1406}"/>
               </a:ext>
             </a:extLst>
           </p:cNvPr>
@@ -166,7 +166,7 @@
           <p:cNvPr id="3" name="副标题 2">
             <a:extLst>
               <a:ext uri="{FF2B5EF4-FFF2-40B4-BE49-F238E27FC236}">
-                <a16:creationId xmlns:a16="http://schemas.microsoft.com/office/drawing/2014/main" id="{9E06B89B-475C-DA64-C9DC-31A87EF18ABF}"/>
+                <a16:creationId xmlns:a16="http://schemas.microsoft.com/office/drawing/2014/main" id="{E05BCD1D-CF23-2AC0-0B84-7407B7D7A19D}"/>
               </a:ext>
             </a:extLst>
           </p:cNvPr>
@@ -236,7 +236,7 @@
           <p:cNvPr id="4" name="日期占位符 3">
             <a:extLst>
               <a:ext uri="{FF2B5EF4-FFF2-40B4-BE49-F238E27FC236}">
-                <a16:creationId xmlns:a16="http://schemas.microsoft.com/office/drawing/2014/main" id="{703C5C87-2706-1D1C-6A4D-D73778B241E6}"/>
+                <a16:creationId xmlns:a16="http://schemas.microsoft.com/office/drawing/2014/main" id="{B66D06A0-4C51-990B-B734-28A90605187F}"/>
               </a:ext>
             </a:extLst>
           </p:cNvPr>
@@ -252,7 +252,7 @@
           <a:bodyPr/>
           <a:lstStyle/>
           <a:p>
-            <a:fld id="{82707C17-D7BC-4F86-9080-362CFEAC2611}" type="datetimeFigureOut">
+            <a:fld id="{BE795A2B-2B1F-44E7-A594-38219F4C3AF7}" type="datetimeFigureOut">
               <a:rPr lang="zh-CN" altLang="en-US" smtClean="0"/>
               <a:t>2024/3/10</a:t>
             </a:fld>
@@ -265,7 +265,7 @@
           <p:cNvPr id="5" name="页脚占位符 4">
             <a:extLst>
               <a:ext uri="{FF2B5EF4-FFF2-40B4-BE49-F238E27FC236}">
-                <a16:creationId xmlns:a16="http://schemas.microsoft.com/office/drawing/2014/main" id="{EF452DF7-3E3F-351B-CDAB-52DDAE556D54}"/>
+                <a16:creationId xmlns:a16="http://schemas.microsoft.com/office/drawing/2014/main" id="{18E2E06A-452C-40C3-0D15-6A695059BEA9}"/>
               </a:ext>
             </a:extLst>
           </p:cNvPr>
@@ -290,7 +290,7 @@
           <p:cNvPr id="6" name="灯片编号占位符 5">
             <a:extLst>
               <a:ext uri="{FF2B5EF4-FFF2-40B4-BE49-F238E27FC236}">
-                <a16:creationId xmlns:a16="http://schemas.microsoft.com/office/drawing/2014/main" id="{07896061-4241-4643-785B-BBCF2BE234AB}"/>
+                <a16:creationId xmlns:a16="http://schemas.microsoft.com/office/drawing/2014/main" id="{CFDF91B4-AA3C-7944-7ACD-B54037ACFAE9}"/>
               </a:ext>
             </a:extLst>
           </p:cNvPr>
@@ -306,7 +306,7 @@
           <a:bodyPr/>
           <a:lstStyle/>
           <a:p>
-            <a:fld id="{EB3E26E2-3BC5-4BC5-97DC-1C70987D55F4}" type="slidenum">
+            <a:fld id="{D10C36E3-1306-4F20-B4FC-11BAAD75C0BA}" type="slidenum">
               <a:rPr lang="zh-CN" altLang="en-US" smtClean="0"/>
               <a:t>‹#›</a:t>
             </a:fld>
@@ -317,7 +317,7 @@
     </p:spTree>
     <p:extLst>
       <p:ext uri="{BB962C8B-B14F-4D97-AF65-F5344CB8AC3E}">
-        <p14:creationId xmlns:p14="http://schemas.microsoft.com/office/powerpoint/2010/main" val="2366290298"/>
+        <p14:creationId xmlns:p14="http://schemas.microsoft.com/office/powerpoint/2010/main" val="3679548618"/>
       </p:ext>
     </p:extLst>
   </p:cSld>
@@ -349,7 +349,7 @@
           <p:cNvPr id="2" name="标题 1">
             <a:extLst>
               <a:ext uri="{FF2B5EF4-FFF2-40B4-BE49-F238E27FC236}">
-                <a16:creationId xmlns:a16="http://schemas.microsoft.com/office/drawing/2014/main" id="{14A071C4-94C9-F4FE-EBB4-BF739882E930}"/>
+                <a16:creationId xmlns:a16="http://schemas.microsoft.com/office/drawing/2014/main" id="{8E449D26-32B7-FF4D-59B4-0CF3EA5D1B31}"/>
               </a:ext>
             </a:extLst>
           </p:cNvPr>
@@ -377,7 +377,7 @@
           <p:cNvPr id="3" name="竖排文字占位符 2">
             <a:extLst>
               <a:ext uri="{FF2B5EF4-FFF2-40B4-BE49-F238E27FC236}">
-                <a16:creationId xmlns:a16="http://schemas.microsoft.com/office/drawing/2014/main" id="{25C603E0-AA37-6D14-F911-C3215C39F5C1}"/>
+                <a16:creationId xmlns:a16="http://schemas.microsoft.com/office/drawing/2014/main" id="{9694AEF2-78AD-6525-5414-6FCC092870D2}"/>
               </a:ext>
             </a:extLst>
           </p:cNvPr>
@@ -434,7 +434,7 @@
           <p:cNvPr id="4" name="日期占位符 3">
             <a:extLst>
               <a:ext uri="{FF2B5EF4-FFF2-40B4-BE49-F238E27FC236}">
-                <a16:creationId xmlns:a16="http://schemas.microsoft.com/office/drawing/2014/main" id="{B14A2C63-2A1E-8609-D8F5-E002D773429C}"/>
+                <a16:creationId xmlns:a16="http://schemas.microsoft.com/office/drawing/2014/main" id="{2D54F225-2761-B937-A6F0-30CFCACF1FD3}"/>
               </a:ext>
             </a:extLst>
           </p:cNvPr>
@@ -450,7 +450,7 @@
           <a:bodyPr/>
           <a:lstStyle/>
           <a:p>
-            <a:fld id="{82707C17-D7BC-4F86-9080-362CFEAC2611}" type="datetimeFigureOut">
+            <a:fld id="{BE795A2B-2B1F-44E7-A594-38219F4C3AF7}" type="datetimeFigureOut">
               <a:rPr lang="zh-CN" altLang="en-US" smtClean="0"/>
               <a:t>2024/3/10</a:t>
             </a:fld>
@@ -463,7 +463,7 @@
           <p:cNvPr id="5" name="页脚占位符 4">
             <a:extLst>
               <a:ext uri="{FF2B5EF4-FFF2-40B4-BE49-F238E27FC236}">
-                <a16:creationId xmlns:a16="http://schemas.microsoft.com/office/drawing/2014/main" id="{B545D55A-1F0F-70AD-76E4-AFDD6B109F52}"/>
+                <a16:creationId xmlns:a16="http://schemas.microsoft.com/office/drawing/2014/main" id="{48C135E7-D6BD-5218-D014-DF6F7240412F}"/>
               </a:ext>
             </a:extLst>
           </p:cNvPr>
@@ -488,7 +488,7 @@
           <p:cNvPr id="6" name="灯片编号占位符 5">
             <a:extLst>
               <a:ext uri="{FF2B5EF4-FFF2-40B4-BE49-F238E27FC236}">
-                <a16:creationId xmlns:a16="http://schemas.microsoft.com/office/drawing/2014/main" id="{C5510D3A-359C-C390-E8CA-8881C40B307E}"/>
+                <a16:creationId xmlns:a16="http://schemas.microsoft.com/office/drawing/2014/main" id="{4B74F930-A58D-B272-E1D2-37691C0A29DB}"/>
               </a:ext>
             </a:extLst>
           </p:cNvPr>
@@ -504,7 +504,7 @@
           <a:bodyPr/>
           <a:lstStyle/>
           <a:p>
-            <a:fld id="{EB3E26E2-3BC5-4BC5-97DC-1C70987D55F4}" type="slidenum">
+            <a:fld id="{D10C36E3-1306-4F20-B4FC-11BAAD75C0BA}" type="slidenum">
               <a:rPr lang="zh-CN" altLang="en-US" smtClean="0"/>
               <a:t>‹#›</a:t>
             </a:fld>
@@ -515,7 +515,7 @@
     </p:spTree>
     <p:extLst>
       <p:ext uri="{BB962C8B-B14F-4D97-AF65-F5344CB8AC3E}">
-        <p14:creationId xmlns:p14="http://schemas.microsoft.com/office/powerpoint/2010/main" val="960360109"/>
+        <p14:creationId xmlns:p14="http://schemas.microsoft.com/office/powerpoint/2010/main" val="2649210657"/>
       </p:ext>
     </p:extLst>
   </p:cSld>
@@ -547,7 +547,7 @@
           <p:cNvPr id="2" name="竖排标题 1">
             <a:extLst>
               <a:ext uri="{FF2B5EF4-FFF2-40B4-BE49-F238E27FC236}">
-                <a16:creationId xmlns:a16="http://schemas.microsoft.com/office/drawing/2014/main" id="{E9394686-D022-9FBD-3D0F-450E314A3033}"/>
+                <a16:creationId xmlns:a16="http://schemas.microsoft.com/office/drawing/2014/main" id="{901519FF-2BE0-C39F-5F5C-A0DD9C95CAC7}"/>
               </a:ext>
             </a:extLst>
           </p:cNvPr>
@@ -580,7 +580,7 @@
           <p:cNvPr id="3" name="竖排文字占位符 2">
             <a:extLst>
               <a:ext uri="{FF2B5EF4-FFF2-40B4-BE49-F238E27FC236}">
-                <a16:creationId xmlns:a16="http://schemas.microsoft.com/office/drawing/2014/main" id="{205D0632-15CF-E8AC-AB11-CFE056E5B464}"/>
+                <a16:creationId xmlns:a16="http://schemas.microsoft.com/office/drawing/2014/main" id="{1D61B236-E356-12DA-CEB6-694BC0766E6D}"/>
               </a:ext>
             </a:extLst>
           </p:cNvPr>
@@ -642,7 +642,7 @@
           <p:cNvPr id="4" name="日期占位符 3">
             <a:extLst>
               <a:ext uri="{FF2B5EF4-FFF2-40B4-BE49-F238E27FC236}">
-                <a16:creationId xmlns:a16="http://schemas.microsoft.com/office/drawing/2014/main" id="{CE7AD300-8AB7-35EF-F01E-0BDDC16716E7}"/>
+                <a16:creationId xmlns:a16="http://schemas.microsoft.com/office/drawing/2014/main" id="{42B23336-DC6D-0FD2-A170-AFCF5176B707}"/>
               </a:ext>
             </a:extLst>
           </p:cNvPr>
@@ -658,7 +658,7 @@
           <a:bodyPr/>
           <a:lstStyle/>
           <a:p>
-            <a:fld id="{82707C17-D7BC-4F86-9080-362CFEAC2611}" type="datetimeFigureOut">
+            <a:fld id="{BE795A2B-2B1F-44E7-A594-38219F4C3AF7}" type="datetimeFigureOut">
               <a:rPr lang="zh-CN" altLang="en-US" smtClean="0"/>
               <a:t>2024/3/10</a:t>
             </a:fld>
@@ -671,7 +671,7 @@
           <p:cNvPr id="5" name="页脚占位符 4">
             <a:extLst>
               <a:ext uri="{FF2B5EF4-FFF2-40B4-BE49-F238E27FC236}">
-                <a16:creationId xmlns:a16="http://schemas.microsoft.com/office/drawing/2014/main" id="{59A0C761-9FA6-0E03-7EE5-294638520A87}"/>
+                <a16:creationId xmlns:a16="http://schemas.microsoft.com/office/drawing/2014/main" id="{52B2BB54-D663-6BC6-FA4F-8A9134944477}"/>
               </a:ext>
             </a:extLst>
           </p:cNvPr>
@@ -696,7 +696,7 @@
           <p:cNvPr id="6" name="灯片编号占位符 5">
             <a:extLst>
               <a:ext uri="{FF2B5EF4-FFF2-40B4-BE49-F238E27FC236}">
-                <a16:creationId xmlns:a16="http://schemas.microsoft.com/office/drawing/2014/main" id="{EE2404E0-D0A9-8670-6630-6A079584A465}"/>
+                <a16:creationId xmlns:a16="http://schemas.microsoft.com/office/drawing/2014/main" id="{038BFB8F-7B8A-A087-7377-06393F3C88A8}"/>
               </a:ext>
             </a:extLst>
           </p:cNvPr>
@@ -712,7 +712,7 @@
           <a:bodyPr/>
           <a:lstStyle/>
           <a:p>
-            <a:fld id="{EB3E26E2-3BC5-4BC5-97DC-1C70987D55F4}" type="slidenum">
+            <a:fld id="{D10C36E3-1306-4F20-B4FC-11BAAD75C0BA}" type="slidenum">
               <a:rPr lang="zh-CN" altLang="en-US" smtClean="0"/>
               <a:t>‹#›</a:t>
             </a:fld>
@@ -723,7 +723,7 @@
     </p:spTree>
     <p:extLst>
       <p:ext uri="{BB962C8B-B14F-4D97-AF65-F5344CB8AC3E}">
-        <p14:creationId xmlns:p14="http://schemas.microsoft.com/office/powerpoint/2010/main" val="2646750423"/>
+        <p14:creationId xmlns:p14="http://schemas.microsoft.com/office/powerpoint/2010/main" val="1296880474"/>
       </p:ext>
     </p:extLst>
   </p:cSld>
@@ -755,7 +755,7 @@
           <p:cNvPr id="2" name="标题 1">
             <a:extLst>
               <a:ext uri="{FF2B5EF4-FFF2-40B4-BE49-F238E27FC236}">
-                <a16:creationId xmlns:a16="http://schemas.microsoft.com/office/drawing/2014/main" id="{C849C38B-38FE-A7CE-35C4-3E9E29886BC3}"/>
+                <a16:creationId xmlns:a16="http://schemas.microsoft.com/office/drawing/2014/main" id="{EF757E8C-3A27-9FF5-0147-80E120012983}"/>
               </a:ext>
             </a:extLst>
           </p:cNvPr>
@@ -783,7 +783,7 @@
           <p:cNvPr id="3" name="内容占位符 2">
             <a:extLst>
               <a:ext uri="{FF2B5EF4-FFF2-40B4-BE49-F238E27FC236}">
-                <a16:creationId xmlns:a16="http://schemas.microsoft.com/office/drawing/2014/main" id="{504AE158-83B7-CD36-9B78-446D57B7B565}"/>
+                <a16:creationId xmlns:a16="http://schemas.microsoft.com/office/drawing/2014/main" id="{80A0E589-5D0A-9591-2E7D-9A6CFE629518}"/>
               </a:ext>
             </a:extLst>
           </p:cNvPr>
@@ -840,7 +840,7 @@
           <p:cNvPr id="4" name="日期占位符 3">
             <a:extLst>
               <a:ext uri="{FF2B5EF4-FFF2-40B4-BE49-F238E27FC236}">
-                <a16:creationId xmlns:a16="http://schemas.microsoft.com/office/drawing/2014/main" id="{DBBC1A4A-23B4-19E6-2CB7-9F596F399BD1}"/>
+                <a16:creationId xmlns:a16="http://schemas.microsoft.com/office/drawing/2014/main" id="{CCCF90B6-344F-2FB1-6B37-7046A183EF99}"/>
               </a:ext>
             </a:extLst>
           </p:cNvPr>
@@ -856,7 +856,7 @@
           <a:bodyPr/>
           <a:lstStyle/>
           <a:p>
-            <a:fld id="{82707C17-D7BC-4F86-9080-362CFEAC2611}" type="datetimeFigureOut">
+            <a:fld id="{BE795A2B-2B1F-44E7-A594-38219F4C3AF7}" type="datetimeFigureOut">
               <a:rPr lang="zh-CN" altLang="en-US" smtClean="0"/>
               <a:t>2024/3/10</a:t>
             </a:fld>
@@ -869,7 +869,7 @@
           <p:cNvPr id="5" name="页脚占位符 4">
             <a:extLst>
               <a:ext uri="{FF2B5EF4-FFF2-40B4-BE49-F238E27FC236}">
-                <a16:creationId xmlns:a16="http://schemas.microsoft.com/office/drawing/2014/main" id="{631DFEA6-07FA-EA5D-9B6D-FC51C50E6B94}"/>
+                <a16:creationId xmlns:a16="http://schemas.microsoft.com/office/drawing/2014/main" id="{4B12145C-7442-7509-A812-A9D4C8996635}"/>
               </a:ext>
             </a:extLst>
           </p:cNvPr>
@@ -894,7 +894,7 @@
           <p:cNvPr id="6" name="灯片编号占位符 5">
             <a:extLst>
               <a:ext uri="{FF2B5EF4-FFF2-40B4-BE49-F238E27FC236}">
-                <a16:creationId xmlns:a16="http://schemas.microsoft.com/office/drawing/2014/main" id="{03C76679-21F4-6B13-F263-C3692C8B9C4E}"/>
+                <a16:creationId xmlns:a16="http://schemas.microsoft.com/office/drawing/2014/main" id="{D8A89AF8-1210-B068-0D31-DB76054985C6}"/>
               </a:ext>
             </a:extLst>
           </p:cNvPr>
@@ -910,7 +910,7 @@
           <a:bodyPr/>
           <a:lstStyle/>
           <a:p>
-            <a:fld id="{EB3E26E2-3BC5-4BC5-97DC-1C70987D55F4}" type="slidenum">
+            <a:fld id="{D10C36E3-1306-4F20-B4FC-11BAAD75C0BA}" type="slidenum">
               <a:rPr lang="zh-CN" altLang="en-US" smtClean="0"/>
               <a:t>‹#›</a:t>
             </a:fld>
@@ -921,7 +921,7 @@
     </p:spTree>
     <p:extLst>
       <p:ext uri="{BB962C8B-B14F-4D97-AF65-F5344CB8AC3E}">
-        <p14:creationId xmlns:p14="http://schemas.microsoft.com/office/powerpoint/2010/main" val="3510623946"/>
+        <p14:creationId xmlns:p14="http://schemas.microsoft.com/office/powerpoint/2010/main" val="106806648"/>
       </p:ext>
     </p:extLst>
   </p:cSld>
@@ -953,7 +953,7 @@
           <p:cNvPr id="2" name="标题 1">
             <a:extLst>
               <a:ext uri="{FF2B5EF4-FFF2-40B4-BE49-F238E27FC236}">
-                <a16:creationId xmlns:a16="http://schemas.microsoft.com/office/drawing/2014/main" id="{A3AA47C9-8945-4864-B42B-640E6E2FB6F5}"/>
+                <a16:creationId xmlns:a16="http://schemas.microsoft.com/office/drawing/2014/main" id="{B28F4A19-BB3C-02E3-2BD0-EDCEF21EE63A}"/>
               </a:ext>
             </a:extLst>
           </p:cNvPr>
@@ -990,7 +990,7 @@
           <p:cNvPr id="3" name="文本占位符 2">
             <a:extLst>
               <a:ext uri="{FF2B5EF4-FFF2-40B4-BE49-F238E27FC236}">
-                <a16:creationId xmlns:a16="http://schemas.microsoft.com/office/drawing/2014/main" id="{EC6754BD-71CA-0C35-D5FD-B864FEE0576F}"/>
+                <a16:creationId xmlns:a16="http://schemas.microsoft.com/office/drawing/2014/main" id="{9231E660-E1D4-4242-174E-FA2E76E4949E}"/>
               </a:ext>
             </a:extLst>
           </p:cNvPr>
@@ -1115,7 +1115,7 @@
           <p:cNvPr id="4" name="日期占位符 3">
             <a:extLst>
               <a:ext uri="{FF2B5EF4-FFF2-40B4-BE49-F238E27FC236}">
-                <a16:creationId xmlns:a16="http://schemas.microsoft.com/office/drawing/2014/main" id="{F7350A17-400E-403B-E569-057462316F0C}"/>
+                <a16:creationId xmlns:a16="http://schemas.microsoft.com/office/drawing/2014/main" id="{6686419F-7F51-5F2A-7A8A-3FAC86F7E3D7}"/>
               </a:ext>
             </a:extLst>
           </p:cNvPr>
@@ -1131,7 +1131,7 @@
           <a:bodyPr/>
           <a:lstStyle/>
           <a:p>
-            <a:fld id="{82707C17-D7BC-4F86-9080-362CFEAC2611}" type="datetimeFigureOut">
+            <a:fld id="{BE795A2B-2B1F-44E7-A594-38219F4C3AF7}" type="datetimeFigureOut">
               <a:rPr lang="zh-CN" altLang="en-US" smtClean="0"/>
               <a:t>2024/3/10</a:t>
             </a:fld>
@@ -1144,7 +1144,7 @@
           <p:cNvPr id="5" name="页脚占位符 4">
             <a:extLst>
               <a:ext uri="{FF2B5EF4-FFF2-40B4-BE49-F238E27FC236}">
-                <a16:creationId xmlns:a16="http://schemas.microsoft.com/office/drawing/2014/main" id="{289718A6-2EF4-FCBF-1CE6-B515366D07A8}"/>
+                <a16:creationId xmlns:a16="http://schemas.microsoft.com/office/drawing/2014/main" id="{BBF8F164-FC20-AEF8-162B-C25899674E1D}"/>
               </a:ext>
             </a:extLst>
           </p:cNvPr>
@@ -1169,7 +1169,7 @@
           <p:cNvPr id="6" name="灯片编号占位符 5">
             <a:extLst>
               <a:ext uri="{FF2B5EF4-FFF2-40B4-BE49-F238E27FC236}">
-                <a16:creationId xmlns:a16="http://schemas.microsoft.com/office/drawing/2014/main" id="{9D9C4B94-4B26-6661-524C-00C91B659D82}"/>
+                <a16:creationId xmlns:a16="http://schemas.microsoft.com/office/drawing/2014/main" id="{462546F9-29D8-B16F-F3E5-699EF43C0F25}"/>
               </a:ext>
             </a:extLst>
           </p:cNvPr>
@@ -1185,7 +1185,7 @@
           <a:bodyPr/>
           <a:lstStyle/>
           <a:p>
-            <a:fld id="{EB3E26E2-3BC5-4BC5-97DC-1C70987D55F4}" type="slidenum">
+            <a:fld id="{D10C36E3-1306-4F20-B4FC-11BAAD75C0BA}" type="slidenum">
               <a:rPr lang="zh-CN" altLang="en-US" smtClean="0"/>
               <a:t>‹#›</a:t>
             </a:fld>
@@ -1196,7 +1196,7 @@
     </p:spTree>
     <p:extLst>
       <p:ext uri="{BB962C8B-B14F-4D97-AF65-F5344CB8AC3E}">
-        <p14:creationId xmlns:p14="http://schemas.microsoft.com/office/powerpoint/2010/main" val="2183702344"/>
+        <p14:creationId xmlns:p14="http://schemas.microsoft.com/office/powerpoint/2010/main" val="2858657802"/>
       </p:ext>
     </p:extLst>
   </p:cSld>
@@ -1228,7 +1228,7 @@
           <p:cNvPr id="2" name="标题 1">
             <a:extLst>
               <a:ext uri="{FF2B5EF4-FFF2-40B4-BE49-F238E27FC236}">
-                <a16:creationId xmlns:a16="http://schemas.microsoft.com/office/drawing/2014/main" id="{29863B3D-8175-932B-336C-0FEE19C56C02}"/>
+                <a16:creationId xmlns:a16="http://schemas.microsoft.com/office/drawing/2014/main" id="{8D20A4DC-7002-4F4D-2588-95E4A8065907}"/>
               </a:ext>
             </a:extLst>
           </p:cNvPr>
@@ -1256,7 +1256,7 @@
           <p:cNvPr id="3" name="内容占位符 2">
             <a:extLst>
               <a:ext uri="{FF2B5EF4-FFF2-40B4-BE49-F238E27FC236}">
-                <a16:creationId xmlns:a16="http://schemas.microsoft.com/office/drawing/2014/main" id="{BB4EE21A-6D8D-933D-9FD3-42F25A358652}"/>
+                <a16:creationId xmlns:a16="http://schemas.microsoft.com/office/drawing/2014/main" id="{906A6962-6051-A82D-C2D8-041BE3E08A6E}"/>
               </a:ext>
             </a:extLst>
           </p:cNvPr>
@@ -1318,7 +1318,7 @@
           <p:cNvPr id="4" name="内容占位符 3">
             <a:extLst>
               <a:ext uri="{FF2B5EF4-FFF2-40B4-BE49-F238E27FC236}">
-                <a16:creationId xmlns:a16="http://schemas.microsoft.com/office/drawing/2014/main" id="{4D2B05D4-C759-D847-3308-F111320DCA15}"/>
+                <a16:creationId xmlns:a16="http://schemas.microsoft.com/office/drawing/2014/main" id="{CCC7D13E-0429-A34F-D098-58652598B1BA}"/>
               </a:ext>
             </a:extLst>
           </p:cNvPr>
@@ -1380,7 +1380,7 @@
           <p:cNvPr id="5" name="日期占位符 4">
             <a:extLst>
               <a:ext uri="{FF2B5EF4-FFF2-40B4-BE49-F238E27FC236}">
-                <a16:creationId xmlns:a16="http://schemas.microsoft.com/office/drawing/2014/main" id="{8F0514E5-A66F-6018-80AC-7565520C158B}"/>
+                <a16:creationId xmlns:a16="http://schemas.microsoft.com/office/drawing/2014/main" id="{5C67D6A0-07F5-D05A-B90A-3E377187E3B1}"/>
               </a:ext>
             </a:extLst>
           </p:cNvPr>
@@ -1396,7 +1396,7 @@
           <a:bodyPr/>
           <a:lstStyle/>
           <a:p>
-            <a:fld id="{82707C17-D7BC-4F86-9080-362CFEAC2611}" type="datetimeFigureOut">
+            <a:fld id="{BE795A2B-2B1F-44E7-A594-38219F4C3AF7}" type="datetimeFigureOut">
               <a:rPr lang="zh-CN" altLang="en-US" smtClean="0"/>
               <a:t>2024/3/10</a:t>
             </a:fld>
@@ -1409,7 +1409,7 @@
           <p:cNvPr id="6" name="页脚占位符 5">
             <a:extLst>
               <a:ext uri="{FF2B5EF4-FFF2-40B4-BE49-F238E27FC236}">
-                <a16:creationId xmlns:a16="http://schemas.microsoft.com/office/drawing/2014/main" id="{C0FB6816-50C4-451E-DAB9-BF65306DBC1E}"/>
+                <a16:creationId xmlns:a16="http://schemas.microsoft.com/office/drawing/2014/main" id="{816F8F74-1811-B8D6-7E5C-E31F4A8079B1}"/>
               </a:ext>
             </a:extLst>
           </p:cNvPr>
@@ -1434,7 +1434,7 @@
           <p:cNvPr id="7" name="灯片编号占位符 6">
             <a:extLst>
               <a:ext uri="{FF2B5EF4-FFF2-40B4-BE49-F238E27FC236}">
-                <a16:creationId xmlns:a16="http://schemas.microsoft.com/office/drawing/2014/main" id="{433F7BA4-636B-672C-9DE8-9EC75DE42D1A}"/>
+                <a16:creationId xmlns:a16="http://schemas.microsoft.com/office/drawing/2014/main" id="{AAE2BBBC-3F95-9A95-0BC4-EB9ECBB07A2F}"/>
               </a:ext>
             </a:extLst>
           </p:cNvPr>
@@ -1450,7 +1450,7 @@
           <a:bodyPr/>
           <a:lstStyle/>
           <a:p>
-            <a:fld id="{EB3E26E2-3BC5-4BC5-97DC-1C70987D55F4}" type="slidenum">
+            <a:fld id="{D10C36E3-1306-4F20-B4FC-11BAAD75C0BA}" type="slidenum">
               <a:rPr lang="zh-CN" altLang="en-US" smtClean="0"/>
               <a:t>‹#›</a:t>
             </a:fld>
@@ -1461,7 +1461,7 @@
     </p:spTree>
     <p:extLst>
       <p:ext uri="{BB962C8B-B14F-4D97-AF65-F5344CB8AC3E}">
-        <p14:creationId xmlns:p14="http://schemas.microsoft.com/office/powerpoint/2010/main" val="1648527324"/>
+        <p14:creationId xmlns:p14="http://schemas.microsoft.com/office/powerpoint/2010/main" val="1815300509"/>
       </p:ext>
     </p:extLst>
   </p:cSld>
@@ -1493,7 +1493,7 @@
           <p:cNvPr id="2" name="标题 1">
             <a:extLst>
               <a:ext uri="{FF2B5EF4-FFF2-40B4-BE49-F238E27FC236}">
-                <a16:creationId xmlns:a16="http://schemas.microsoft.com/office/drawing/2014/main" id="{CCB373DE-F528-C53A-3F24-3260FC701C0C}"/>
+                <a16:creationId xmlns:a16="http://schemas.microsoft.com/office/drawing/2014/main" id="{7D284F93-A13D-97D6-4E68-CFDC3B9372FB}"/>
               </a:ext>
             </a:extLst>
           </p:cNvPr>
@@ -1526,7 +1526,7 @@
           <p:cNvPr id="3" name="文本占位符 2">
             <a:extLst>
               <a:ext uri="{FF2B5EF4-FFF2-40B4-BE49-F238E27FC236}">
-                <a16:creationId xmlns:a16="http://schemas.microsoft.com/office/drawing/2014/main" id="{3BB9CB91-85C7-F915-5375-22BC62E62409}"/>
+                <a16:creationId xmlns:a16="http://schemas.microsoft.com/office/drawing/2014/main" id="{3AC6CC30-51FB-BB39-70E3-DF300A08AE6B}"/>
               </a:ext>
             </a:extLst>
           </p:cNvPr>
@@ -1597,7 +1597,7 @@
           <p:cNvPr id="4" name="内容占位符 3">
             <a:extLst>
               <a:ext uri="{FF2B5EF4-FFF2-40B4-BE49-F238E27FC236}">
-                <a16:creationId xmlns:a16="http://schemas.microsoft.com/office/drawing/2014/main" id="{CA61121F-A869-72A1-E03A-76454CFD684C}"/>
+                <a16:creationId xmlns:a16="http://schemas.microsoft.com/office/drawing/2014/main" id="{A2297BE5-C7F5-C9A8-2AC3-8864A9F50A55}"/>
               </a:ext>
             </a:extLst>
           </p:cNvPr>
@@ -1659,7 +1659,7 @@
           <p:cNvPr id="5" name="文本占位符 4">
             <a:extLst>
               <a:ext uri="{FF2B5EF4-FFF2-40B4-BE49-F238E27FC236}">
-                <a16:creationId xmlns:a16="http://schemas.microsoft.com/office/drawing/2014/main" id="{3D7D6A01-6172-1638-D0B9-815D301873C9}"/>
+                <a16:creationId xmlns:a16="http://schemas.microsoft.com/office/drawing/2014/main" id="{390991D2-E516-4BBF-28C5-99A27CCEEC52}"/>
               </a:ext>
             </a:extLst>
           </p:cNvPr>
@@ -1730,7 +1730,7 @@
           <p:cNvPr id="6" name="内容占位符 5">
             <a:extLst>
               <a:ext uri="{FF2B5EF4-FFF2-40B4-BE49-F238E27FC236}">
-                <a16:creationId xmlns:a16="http://schemas.microsoft.com/office/drawing/2014/main" id="{3B452D11-CA42-00D2-62E9-3344E8AAC983}"/>
+                <a16:creationId xmlns:a16="http://schemas.microsoft.com/office/drawing/2014/main" id="{D9501D9A-D8A6-BB57-CEEE-B2D513800B83}"/>
               </a:ext>
             </a:extLst>
           </p:cNvPr>
@@ -1792,7 +1792,7 @@
           <p:cNvPr id="7" name="日期占位符 6">
             <a:extLst>
               <a:ext uri="{FF2B5EF4-FFF2-40B4-BE49-F238E27FC236}">
-                <a16:creationId xmlns:a16="http://schemas.microsoft.com/office/drawing/2014/main" id="{D3ED52EF-4CD6-EC1C-AD37-C4C7518FC99D}"/>
+                <a16:creationId xmlns:a16="http://schemas.microsoft.com/office/drawing/2014/main" id="{D593DEC7-93D2-6A96-02E8-F33EEE12DA7F}"/>
               </a:ext>
             </a:extLst>
           </p:cNvPr>
@@ -1808,7 +1808,7 @@
           <a:bodyPr/>
           <a:lstStyle/>
           <a:p>
-            <a:fld id="{82707C17-D7BC-4F86-9080-362CFEAC2611}" type="datetimeFigureOut">
+            <a:fld id="{BE795A2B-2B1F-44E7-A594-38219F4C3AF7}" type="datetimeFigureOut">
               <a:rPr lang="zh-CN" altLang="en-US" smtClean="0"/>
               <a:t>2024/3/10</a:t>
             </a:fld>
@@ -1821,7 +1821,7 @@
           <p:cNvPr id="8" name="页脚占位符 7">
             <a:extLst>
               <a:ext uri="{FF2B5EF4-FFF2-40B4-BE49-F238E27FC236}">
-                <a16:creationId xmlns:a16="http://schemas.microsoft.com/office/drawing/2014/main" id="{FF7ADB18-A545-4DA2-75BB-2201FF1CD581}"/>
+                <a16:creationId xmlns:a16="http://schemas.microsoft.com/office/drawing/2014/main" id="{080534C0-AAAA-048A-75D0-5088891CDF20}"/>
               </a:ext>
             </a:extLst>
           </p:cNvPr>
@@ -1846,7 +1846,7 @@
           <p:cNvPr id="9" name="灯片编号占位符 8">
             <a:extLst>
               <a:ext uri="{FF2B5EF4-FFF2-40B4-BE49-F238E27FC236}">
-                <a16:creationId xmlns:a16="http://schemas.microsoft.com/office/drawing/2014/main" id="{2218D40D-E3D2-E9A6-D902-CE9CB674FC95}"/>
+                <a16:creationId xmlns:a16="http://schemas.microsoft.com/office/drawing/2014/main" id="{9E3E8F83-681B-DEAD-2042-5455818FA3A0}"/>
               </a:ext>
             </a:extLst>
           </p:cNvPr>
@@ -1862,7 +1862,7 @@
           <a:bodyPr/>
           <a:lstStyle/>
           <a:p>
-            <a:fld id="{EB3E26E2-3BC5-4BC5-97DC-1C70987D55F4}" type="slidenum">
+            <a:fld id="{D10C36E3-1306-4F20-B4FC-11BAAD75C0BA}" type="slidenum">
               <a:rPr lang="zh-CN" altLang="en-US" smtClean="0"/>
               <a:t>‹#›</a:t>
             </a:fld>
@@ -1873,7 +1873,7 @@
     </p:spTree>
     <p:extLst>
       <p:ext uri="{BB962C8B-B14F-4D97-AF65-F5344CB8AC3E}">
-        <p14:creationId xmlns:p14="http://schemas.microsoft.com/office/powerpoint/2010/main" val="2619639455"/>
+        <p14:creationId xmlns:p14="http://schemas.microsoft.com/office/powerpoint/2010/main" val="5330618"/>
       </p:ext>
     </p:extLst>
   </p:cSld>
@@ -1905,7 +1905,7 @@
           <p:cNvPr id="2" name="标题 1">
             <a:extLst>
               <a:ext uri="{FF2B5EF4-FFF2-40B4-BE49-F238E27FC236}">
-                <a16:creationId xmlns:a16="http://schemas.microsoft.com/office/drawing/2014/main" id="{062C0013-BFCB-FBFF-A13D-4B74968727B9}"/>
+                <a16:creationId xmlns:a16="http://schemas.microsoft.com/office/drawing/2014/main" id="{6BD53D60-A3F5-AA42-31AF-F66721457ABE}"/>
               </a:ext>
             </a:extLst>
           </p:cNvPr>
@@ -1933,7 +1933,7 @@
           <p:cNvPr id="3" name="日期占位符 2">
             <a:extLst>
               <a:ext uri="{FF2B5EF4-FFF2-40B4-BE49-F238E27FC236}">
-                <a16:creationId xmlns:a16="http://schemas.microsoft.com/office/drawing/2014/main" id="{E5F5E250-B44C-4D57-0400-DE2C40E2BB34}"/>
+                <a16:creationId xmlns:a16="http://schemas.microsoft.com/office/drawing/2014/main" id="{2A9DDDCF-7577-B75C-770F-4384FFD844DE}"/>
               </a:ext>
             </a:extLst>
           </p:cNvPr>
@@ -1949,7 +1949,7 @@
           <a:bodyPr/>
           <a:lstStyle/>
           <a:p>
-            <a:fld id="{82707C17-D7BC-4F86-9080-362CFEAC2611}" type="datetimeFigureOut">
+            <a:fld id="{BE795A2B-2B1F-44E7-A594-38219F4C3AF7}" type="datetimeFigureOut">
               <a:rPr lang="zh-CN" altLang="en-US" smtClean="0"/>
               <a:t>2024/3/10</a:t>
             </a:fld>
@@ -1962,7 +1962,7 @@
           <p:cNvPr id="4" name="页脚占位符 3">
             <a:extLst>
               <a:ext uri="{FF2B5EF4-FFF2-40B4-BE49-F238E27FC236}">
-                <a16:creationId xmlns:a16="http://schemas.microsoft.com/office/drawing/2014/main" id="{5E99901E-9D7C-1E26-C916-15E30F28CA7C}"/>
+                <a16:creationId xmlns:a16="http://schemas.microsoft.com/office/drawing/2014/main" id="{88957F45-AEEA-5B7E-A53E-C223327A1622}"/>
               </a:ext>
             </a:extLst>
           </p:cNvPr>
@@ -1987,7 +1987,7 @@
           <p:cNvPr id="5" name="灯片编号占位符 4">
             <a:extLst>
               <a:ext uri="{FF2B5EF4-FFF2-40B4-BE49-F238E27FC236}">
-                <a16:creationId xmlns:a16="http://schemas.microsoft.com/office/drawing/2014/main" id="{1B8EAD7F-6323-7427-C97D-27BF14BC2C27}"/>
+                <a16:creationId xmlns:a16="http://schemas.microsoft.com/office/drawing/2014/main" id="{208E6F9F-5844-5DA0-D98D-1AD051F3EF70}"/>
               </a:ext>
             </a:extLst>
           </p:cNvPr>
@@ -2003,7 +2003,7 @@
           <a:bodyPr/>
           <a:lstStyle/>
           <a:p>
-            <a:fld id="{EB3E26E2-3BC5-4BC5-97DC-1C70987D55F4}" type="slidenum">
+            <a:fld id="{D10C36E3-1306-4F20-B4FC-11BAAD75C0BA}" type="slidenum">
               <a:rPr lang="zh-CN" altLang="en-US" smtClean="0"/>
               <a:t>‹#›</a:t>
             </a:fld>
@@ -2014,7 +2014,7 @@
     </p:spTree>
     <p:extLst>
       <p:ext uri="{BB962C8B-B14F-4D97-AF65-F5344CB8AC3E}">
-        <p14:creationId xmlns:p14="http://schemas.microsoft.com/office/powerpoint/2010/main" val="2178224363"/>
+        <p14:creationId xmlns:p14="http://schemas.microsoft.com/office/powerpoint/2010/main" val="946982003"/>
       </p:ext>
     </p:extLst>
   </p:cSld>
@@ -2046,7 +2046,7 @@
           <p:cNvPr id="2" name="日期占位符 1">
             <a:extLst>
               <a:ext uri="{FF2B5EF4-FFF2-40B4-BE49-F238E27FC236}">
-                <a16:creationId xmlns:a16="http://schemas.microsoft.com/office/drawing/2014/main" id="{1585E448-D8B2-B79A-8537-B0D454178B44}"/>
+                <a16:creationId xmlns:a16="http://schemas.microsoft.com/office/drawing/2014/main" id="{4FED91C5-D389-E6A3-4DF1-B4A277C1792A}"/>
               </a:ext>
             </a:extLst>
           </p:cNvPr>
@@ -2062,7 +2062,7 @@
           <a:bodyPr/>
           <a:lstStyle/>
           <a:p>
-            <a:fld id="{82707C17-D7BC-4F86-9080-362CFEAC2611}" type="datetimeFigureOut">
+            <a:fld id="{BE795A2B-2B1F-44E7-A594-38219F4C3AF7}" type="datetimeFigureOut">
               <a:rPr lang="zh-CN" altLang="en-US" smtClean="0"/>
               <a:t>2024/3/10</a:t>
             </a:fld>
@@ -2075,7 +2075,7 @@
           <p:cNvPr id="3" name="页脚占位符 2">
             <a:extLst>
               <a:ext uri="{FF2B5EF4-FFF2-40B4-BE49-F238E27FC236}">
-                <a16:creationId xmlns:a16="http://schemas.microsoft.com/office/drawing/2014/main" id="{24C84CCD-6ABB-ECCF-A6CF-49A20B52864E}"/>
+                <a16:creationId xmlns:a16="http://schemas.microsoft.com/office/drawing/2014/main" id="{E1F769A7-C48B-20CC-116D-04383D3AF493}"/>
               </a:ext>
             </a:extLst>
           </p:cNvPr>
@@ -2100,7 +2100,7 @@
           <p:cNvPr id="4" name="灯片编号占位符 3">
             <a:extLst>
               <a:ext uri="{FF2B5EF4-FFF2-40B4-BE49-F238E27FC236}">
-                <a16:creationId xmlns:a16="http://schemas.microsoft.com/office/drawing/2014/main" id="{28DBB363-4806-EA80-6061-24511AD9A30F}"/>
+                <a16:creationId xmlns:a16="http://schemas.microsoft.com/office/drawing/2014/main" id="{D575DBA9-83F3-5752-583D-79215BCA60AC}"/>
               </a:ext>
             </a:extLst>
           </p:cNvPr>
@@ -2116,7 +2116,7 @@
           <a:bodyPr/>
           <a:lstStyle/>
           <a:p>
-            <a:fld id="{EB3E26E2-3BC5-4BC5-97DC-1C70987D55F4}" type="slidenum">
+            <a:fld id="{D10C36E3-1306-4F20-B4FC-11BAAD75C0BA}" type="slidenum">
               <a:rPr lang="zh-CN" altLang="en-US" smtClean="0"/>
               <a:t>‹#›</a:t>
             </a:fld>
@@ -2127,7 +2127,7 @@
     </p:spTree>
     <p:extLst>
       <p:ext uri="{BB962C8B-B14F-4D97-AF65-F5344CB8AC3E}">
-        <p14:creationId xmlns:p14="http://schemas.microsoft.com/office/powerpoint/2010/main" val="1756984086"/>
+        <p14:creationId xmlns:p14="http://schemas.microsoft.com/office/powerpoint/2010/main" val="2804691160"/>
       </p:ext>
     </p:extLst>
   </p:cSld>
@@ -2159,7 +2159,7 @@
           <p:cNvPr id="2" name="标题 1">
             <a:extLst>
               <a:ext uri="{FF2B5EF4-FFF2-40B4-BE49-F238E27FC236}">
-                <a16:creationId xmlns:a16="http://schemas.microsoft.com/office/drawing/2014/main" id="{AB7DA40B-EB01-5DA5-77DF-E0F1ABBD52B2}"/>
+                <a16:creationId xmlns:a16="http://schemas.microsoft.com/office/drawing/2014/main" id="{86C55ABE-E83A-D621-94C2-502BECA1F5D8}"/>
               </a:ext>
             </a:extLst>
           </p:cNvPr>
@@ -2196,7 +2196,7 @@
           <p:cNvPr id="3" name="内容占位符 2">
             <a:extLst>
               <a:ext uri="{FF2B5EF4-FFF2-40B4-BE49-F238E27FC236}">
-                <a16:creationId xmlns:a16="http://schemas.microsoft.com/office/drawing/2014/main" id="{2F37FC02-2952-5C95-10FE-C01D532C8707}"/>
+                <a16:creationId xmlns:a16="http://schemas.microsoft.com/office/drawing/2014/main" id="{0A08F3C7-500A-AAD2-BEE8-BAB4950B9E58}"/>
               </a:ext>
             </a:extLst>
           </p:cNvPr>
@@ -2286,7 +2286,7 @@
           <p:cNvPr id="4" name="文本占位符 3">
             <a:extLst>
               <a:ext uri="{FF2B5EF4-FFF2-40B4-BE49-F238E27FC236}">
-                <a16:creationId xmlns:a16="http://schemas.microsoft.com/office/drawing/2014/main" id="{890CC504-066D-1013-5082-3DA8CBE39484}"/>
+                <a16:creationId xmlns:a16="http://schemas.microsoft.com/office/drawing/2014/main" id="{5B9BC102-816E-4F50-F28D-6FCE836EE616}"/>
               </a:ext>
             </a:extLst>
           </p:cNvPr>
@@ -2357,7 +2357,7 @@
           <p:cNvPr id="5" name="日期占位符 4">
             <a:extLst>
               <a:ext uri="{FF2B5EF4-FFF2-40B4-BE49-F238E27FC236}">
-                <a16:creationId xmlns:a16="http://schemas.microsoft.com/office/drawing/2014/main" id="{9FF8A868-E42A-E5D5-FF6E-4D957A7C663E}"/>
+                <a16:creationId xmlns:a16="http://schemas.microsoft.com/office/drawing/2014/main" id="{A866E34D-EFB3-117A-790D-ECA6CB9ACCD1}"/>
               </a:ext>
             </a:extLst>
           </p:cNvPr>
@@ -2373,7 +2373,7 @@
           <a:bodyPr/>
           <a:lstStyle/>
           <a:p>
-            <a:fld id="{82707C17-D7BC-4F86-9080-362CFEAC2611}" type="datetimeFigureOut">
+            <a:fld id="{BE795A2B-2B1F-44E7-A594-38219F4C3AF7}" type="datetimeFigureOut">
               <a:rPr lang="zh-CN" altLang="en-US" smtClean="0"/>
               <a:t>2024/3/10</a:t>
             </a:fld>
@@ -2386,7 +2386,7 @@
           <p:cNvPr id="6" name="页脚占位符 5">
             <a:extLst>
               <a:ext uri="{FF2B5EF4-FFF2-40B4-BE49-F238E27FC236}">
-                <a16:creationId xmlns:a16="http://schemas.microsoft.com/office/drawing/2014/main" id="{78B1BD46-2FDF-21FA-3F81-A9B3D8828B62}"/>
+                <a16:creationId xmlns:a16="http://schemas.microsoft.com/office/drawing/2014/main" id="{528C31AC-DD6E-D495-C790-C1E953BC55C1}"/>
               </a:ext>
             </a:extLst>
           </p:cNvPr>
@@ -2411,7 +2411,7 @@
           <p:cNvPr id="7" name="灯片编号占位符 6">
             <a:extLst>
               <a:ext uri="{FF2B5EF4-FFF2-40B4-BE49-F238E27FC236}">
-                <a16:creationId xmlns:a16="http://schemas.microsoft.com/office/drawing/2014/main" id="{89C8A8F2-7458-E38A-D7D2-B15796684CBB}"/>
+                <a16:creationId xmlns:a16="http://schemas.microsoft.com/office/drawing/2014/main" id="{93044A75-2077-F78C-78E3-3A78F382572C}"/>
               </a:ext>
             </a:extLst>
           </p:cNvPr>
@@ -2427,7 +2427,7 @@
           <a:bodyPr/>
           <a:lstStyle/>
           <a:p>
-            <a:fld id="{EB3E26E2-3BC5-4BC5-97DC-1C70987D55F4}" type="slidenum">
+            <a:fld id="{D10C36E3-1306-4F20-B4FC-11BAAD75C0BA}" type="slidenum">
               <a:rPr lang="zh-CN" altLang="en-US" smtClean="0"/>
               <a:t>‹#›</a:t>
             </a:fld>
@@ -2438,7 +2438,7 @@
     </p:spTree>
     <p:extLst>
       <p:ext uri="{BB962C8B-B14F-4D97-AF65-F5344CB8AC3E}">
-        <p14:creationId xmlns:p14="http://schemas.microsoft.com/office/powerpoint/2010/main" val="1286438998"/>
+        <p14:creationId xmlns:p14="http://schemas.microsoft.com/office/powerpoint/2010/main" val="3081296881"/>
       </p:ext>
     </p:extLst>
   </p:cSld>
@@ -2470,7 +2470,7 @@
           <p:cNvPr id="2" name="标题 1">
             <a:extLst>
               <a:ext uri="{FF2B5EF4-FFF2-40B4-BE49-F238E27FC236}">
-                <a16:creationId xmlns:a16="http://schemas.microsoft.com/office/drawing/2014/main" id="{76FBC2CC-EA5C-A0B9-D69A-67DAB30F58C9}"/>
+                <a16:creationId xmlns:a16="http://schemas.microsoft.com/office/drawing/2014/main" id="{CB6369A4-0C2A-7876-36D1-E033A9A50B71}"/>
               </a:ext>
             </a:extLst>
           </p:cNvPr>
@@ -2507,7 +2507,7 @@
           <p:cNvPr id="3" name="图片占位符 2">
             <a:extLst>
               <a:ext uri="{FF2B5EF4-FFF2-40B4-BE49-F238E27FC236}">
-                <a16:creationId xmlns:a16="http://schemas.microsoft.com/office/drawing/2014/main" id="{D1499F20-822D-0BE8-0B09-70FD9B67B2CD}"/>
+                <a16:creationId xmlns:a16="http://schemas.microsoft.com/office/drawing/2014/main" id="{89E5B52E-F8AF-A10D-9E35-35CC94C00452}"/>
               </a:ext>
             </a:extLst>
           </p:cNvPr>
@@ -2574,7 +2574,7 @@
           <p:cNvPr id="4" name="文本占位符 3">
             <a:extLst>
               <a:ext uri="{FF2B5EF4-FFF2-40B4-BE49-F238E27FC236}">
-                <a16:creationId xmlns:a16="http://schemas.microsoft.com/office/drawing/2014/main" id="{CA89D389-EEC0-E8E0-88CE-0D551D9AD0EB}"/>
+                <a16:creationId xmlns:a16="http://schemas.microsoft.com/office/drawing/2014/main" id="{45A40213-B79D-F635-93D6-522BC437C45E}"/>
               </a:ext>
             </a:extLst>
           </p:cNvPr>
@@ -2645,7 +2645,7 @@
           <p:cNvPr id="5" name="日期占位符 4">
             <a:extLst>
               <a:ext uri="{FF2B5EF4-FFF2-40B4-BE49-F238E27FC236}">
-                <a16:creationId xmlns:a16="http://schemas.microsoft.com/office/drawing/2014/main" id="{3DE3E771-7BEC-CBFB-0F3A-814691D0AA8E}"/>
+                <a16:creationId xmlns:a16="http://schemas.microsoft.com/office/drawing/2014/main" id="{D0E4F369-3D6C-28DE-31F7-697776883891}"/>
               </a:ext>
             </a:extLst>
           </p:cNvPr>
@@ -2661,7 +2661,7 @@
           <a:bodyPr/>
           <a:lstStyle/>
           <a:p>
-            <a:fld id="{82707C17-D7BC-4F86-9080-362CFEAC2611}" type="datetimeFigureOut">
+            <a:fld id="{BE795A2B-2B1F-44E7-A594-38219F4C3AF7}" type="datetimeFigureOut">
               <a:rPr lang="zh-CN" altLang="en-US" smtClean="0"/>
               <a:t>2024/3/10</a:t>
             </a:fld>
@@ -2674,7 +2674,7 @@
           <p:cNvPr id="6" name="页脚占位符 5">
             <a:extLst>
               <a:ext uri="{FF2B5EF4-FFF2-40B4-BE49-F238E27FC236}">
-                <a16:creationId xmlns:a16="http://schemas.microsoft.com/office/drawing/2014/main" id="{74B0A852-73D5-20BB-360F-E07748B03EB4}"/>
+                <a16:creationId xmlns:a16="http://schemas.microsoft.com/office/drawing/2014/main" id="{5AFB8C91-4CDF-508C-3196-DC05D21DD3A5}"/>
               </a:ext>
             </a:extLst>
           </p:cNvPr>
@@ -2699,7 +2699,7 @@
           <p:cNvPr id="7" name="灯片编号占位符 6">
             <a:extLst>
               <a:ext uri="{FF2B5EF4-FFF2-40B4-BE49-F238E27FC236}">
-                <a16:creationId xmlns:a16="http://schemas.microsoft.com/office/drawing/2014/main" id="{995C9DBA-9ECF-BE54-9920-81D39FA36C05}"/>
+                <a16:creationId xmlns:a16="http://schemas.microsoft.com/office/drawing/2014/main" id="{1E27D549-7478-AB90-8CCE-C88778804CF8}"/>
               </a:ext>
             </a:extLst>
           </p:cNvPr>
@@ -2715,7 +2715,7 @@
           <a:bodyPr/>
           <a:lstStyle/>
           <a:p>
-            <a:fld id="{EB3E26E2-3BC5-4BC5-97DC-1C70987D55F4}" type="slidenum">
+            <a:fld id="{D10C36E3-1306-4F20-B4FC-11BAAD75C0BA}" type="slidenum">
               <a:rPr lang="zh-CN" altLang="en-US" smtClean="0"/>
               <a:t>‹#›</a:t>
             </a:fld>
@@ -2726,7 +2726,7 @@
     </p:spTree>
     <p:extLst>
       <p:ext uri="{BB962C8B-B14F-4D97-AF65-F5344CB8AC3E}">
-        <p14:creationId xmlns:p14="http://schemas.microsoft.com/office/powerpoint/2010/main" val="1181521394"/>
+        <p14:creationId xmlns:p14="http://schemas.microsoft.com/office/powerpoint/2010/main" val="1218283097"/>
       </p:ext>
     </p:extLst>
   </p:cSld>
@@ -2763,7 +2763,7 @@
           <p:cNvPr id="2" name="标题占位符 1">
             <a:extLst>
               <a:ext uri="{FF2B5EF4-FFF2-40B4-BE49-F238E27FC236}">
-                <a16:creationId xmlns:a16="http://schemas.microsoft.com/office/drawing/2014/main" id="{B3C4D6B5-0A00-0F20-F6B8-ADD95572FBCA}"/>
+                <a16:creationId xmlns:a16="http://schemas.microsoft.com/office/drawing/2014/main" id="{E5BA1F81-D3A0-A952-35D8-8627A3D0EBE6}"/>
               </a:ext>
             </a:extLst>
           </p:cNvPr>
@@ -2801,7 +2801,7 @@
           <p:cNvPr id="3" name="文本占位符 2">
             <a:extLst>
               <a:ext uri="{FF2B5EF4-FFF2-40B4-BE49-F238E27FC236}">
-                <a16:creationId xmlns:a16="http://schemas.microsoft.com/office/drawing/2014/main" id="{9C65D91A-F276-5411-76B9-351FE6E7F44D}"/>
+                <a16:creationId xmlns:a16="http://schemas.microsoft.com/office/drawing/2014/main" id="{CEE522C3-D3C2-C3D5-0DE1-F5C342A5F509}"/>
               </a:ext>
             </a:extLst>
           </p:cNvPr>
@@ -2868,7 +2868,7 @@
           <p:cNvPr id="4" name="日期占位符 3">
             <a:extLst>
               <a:ext uri="{FF2B5EF4-FFF2-40B4-BE49-F238E27FC236}">
-                <a16:creationId xmlns:a16="http://schemas.microsoft.com/office/drawing/2014/main" id="{ECFE3403-347E-C015-85F2-E972B2F44F1D}"/>
+                <a16:creationId xmlns:a16="http://schemas.microsoft.com/office/drawing/2014/main" id="{C3810319-9922-105C-7F3B-DD9F0864873A}"/>
               </a:ext>
             </a:extLst>
           </p:cNvPr>
@@ -2902,7 +2902,7 @@
             </a:lvl1pPr>
           </a:lstStyle>
           <a:p>
-            <a:fld id="{82707C17-D7BC-4F86-9080-362CFEAC2611}" type="datetimeFigureOut">
+            <a:fld id="{BE795A2B-2B1F-44E7-A594-38219F4C3AF7}" type="datetimeFigureOut">
               <a:rPr lang="zh-CN" altLang="en-US" smtClean="0"/>
               <a:t>2024/3/10</a:t>
             </a:fld>
@@ -2915,7 +2915,7 @@
           <p:cNvPr id="5" name="页脚占位符 4">
             <a:extLst>
               <a:ext uri="{FF2B5EF4-FFF2-40B4-BE49-F238E27FC236}">
-                <a16:creationId xmlns:a16="http://schemas.microsoft.com/office/drawing/2014/main" id="{06B0106C-A030-4FF0-B347-27938358E7A3}"/>
+                <a16:creationId xmlns:a16="http://schemas.microsoft.com/office/drawing/2014/main" id="{91BEDCBA-868B-EE2D-C575-E0F9E0617056}"/>
               </a:ext>
             </a:extLst>
           </p:cNvPr>
@@ -2958,7 +2958,7 @@
           <p:cNvPr id="6" name="灯片编号占位符 5">
             <a:extLst>
               <a:ext uri="{FF2B5EF4-FFF2-40B4-BE49-F238E27FC236}">
-                <a16:creationId xmlns:a16="http://schemas.microsoft.com/office/drawing/2014/main" id="{4A3B113E-11FD-3CDD-7322-5D1F394E519C}"/>
+                <a16:creationId xmlns:a16="http://schemas.microsoft.com/office/drawing/2014/main" id="{20A57348-82E9-87A2-6849-D5B98F15FD96}"/>
               </a:ext>
             </a:extLst>
           </p:cNvPr>
@@ -2992,7 +2992,7 @@
             </a:lvl1pPr>
           </a:lstStyle>
           <a:p>
-            <a:fld id="{EB3E26E2-3BC5-4BC5-97DC-1C70987D55F4}" type="slidenum">
+            <a:fld id="{D10C36E3-1306-4F20-B4FC-11BAAD75C0BA}" type="slidenum">
               <a:rPr lang="zh-CN" altLang="en-US" smtClean="0"/>
               <a:t>‹#›</a:t>
             </a:fld>
@@ -3003,7 +3003,7 @@
     </p:spTree>
     <p:extLst>
       <p:ext uri="{BB962C8B-B14F-4D97-AF65-F5344CB8AC3E}">
-        <p14:creationId xmlns:p14="http://schemas.microsoft.com/office/powerpoint/2010/main" val="3019970292"/>
+        <p14:creationId xmlns:p14="http://schemas.microsoft.com/office/powerpoint/2010/main" val="3861132670"/>
       </p:ext>
     </p:extLst>
   </p:cSld>
